--- a/doc/I3_Presentazione_Carthafind.pptx
+++ b/doc/I3_Presentazione_Carthafind.pptx
@@ -35,17 +35,17 @@
   <p:notesSz cx="6858000" cy="9144000"/>
   <p:embeddedFontLst>
     <p:embeddedFont>
-      <p:font typeface="Roboto Slab" panose="020B0604020202020204" charset="0"/>
+      <p:font typeface="Nixie One" panose="020B0604020202020204" charset="0"/>
       <p:regular r:id="rId25"/>
-      <p:bold r:id="rId26"/>
-    </p:embeddedFont>
-    <p:embeddedFont>
-      <p:font typeface="Nixie One" panose="020B0604020202020204" charset="0"/>
-      <p:regular r:id="rId27"/>
     </p:embeddedFont>
     <p:embeddedFont>
       <p:font typeface="Impact" panose="020B0806030902050204" pitchFamily="34" charset="0"/>
-      <p:regular r:id="rId28"/>
+      <p:regular r:id="rId26"/>
+    </p:embeddedFont>
+    <p:embeddedFont>
+      <p:font typeface="Roboto Slab" panose="020B0604020202020204" charset="0"/>
+      <p:regular r:id="rId27"/>
+      <p:bold r:id="rId28"/>
     </p:embeddedFont>
   </p:embeddedFontLst>
   <p:defaultTextStyle>
@@ -27399,11 +27399,7 @@
             </a:pPr>
             <a:r>
               <a:rPr lang="en-GB" dirty="0" smtClean="0"/>
-              <a:t>Ricerca per campi e parole </a:t>
-            </a:r>
-            <a:r>
-              <a:rPr lang="en-GB" dirty="0" smtClean="0"/>
-              <a:t>chiave</a:t>
+              <a:t>Ricerca per campi e parole chiave</a:t>
             </a:r>
           </a:p>
           <a:p>
